--- a/Main/PaintApp.pptx
+++ b/Main/PaintApp.pptx
@@ -259,7 +259,7 @@
           <a:p>
             <a:fld id="{564D0F71-6C80-49ED-A725-70C4C55A8EB3}" type="datetimeFigureOut">
               <a:rPr lang="he-IL" smtClean="0"/>
-              <a:t>י"ד/אדר א/תשפ"ב</a:t>
+              <a:t>כ"א/אדר א/תשפ"ב</a:t>
             </a:fld>
             <a:endParaRPr lang="he-IL"/>
           </a:p>
@@ -457,7 +457,7 @@
           <a:p>
             <a:fld id="{564D0F71-6C80-49ED-A725-70C4C55A8EB3}" type="datetimeFigureOut">
               <a:rPr lang="he-IL" smtClean="0"/>
-              <a:t>י"ד/אדר א/תשפ"ב</a:t>
+              <a:t>כ"א/אדר א/תשפ"ב</a:t>
             </a:fld>
             <a:endParaRPr lang="he-IL"/>
           </a:p>
@@ -665,7 +665,7 @@
           <a:p>
             <a:fld id="{564D0F71-6C80-49ED-A725-70C4C55A8EB3}" type="datetimeFigureOut">
               <a:rPr lang="he-IL" smtClean="0"/>
-              <a:t>י"ד/אדר א/תשפ"ב</a:t>
+              <a:t>כ"א/אדר א/תשפ"ב</a:t>
             </a:fld>
             <a:endParaRPr lang="he-IL"/>
           </a:p>
@@ -863,7 +863,7 @@
           <a:p>
             <a:fld id="{564D0F71-6C80-49ED-A725-70C4C55A8EB3}" type="datetimeFigureOut">
               <a:rPr lang="he-IL" smtClean="0"/>
-              <a:t>י"ד/אדר א/תשפ"ב</a:t>
+              <a:t>כ"א/אדר א/תשפ"ב</a:t>
             </a:fld>
             <a:endParaRPr lang="he-IL"/>
           </a:p>
@@ -1138,7 +1138,7 @@
           <a:p>
             <a:fld id="{564D0F71-6C80-49ED-A725-70C4C55A8EB3}" type="datetimeFigureOut">
               <a:rPr lang="he-IL" smtClean="0"/>
-              <a:t>י"ד/אדר א/תשפ"ב</a:t>
+              <a:t>כ"א/אדר א/תשפ"ב</a:t>
             </a:fld>
             <a:endParaRPr lang="he-IL"/>
           </a:p>
@@ -1403,7 +1403,7 @@
           <a:p>
             <a:fld id="{564D0F71-6C80-49ED-A725-70C4C55A8EB3}" type="datetimeFigureOut">
               <a:rPr lang="he-IL" smtClean="0"/>
-              <a:t>י"ד/אדר א/תשפ"ב</a:t>
+              <a:t>כ"א/אדר א/תשפ"ב</a:t>
             </a:fld>
             <a:endParaRPr lang="he-IL"/>
           </a:p>
@@ -1815,7 +1815,7 @@
           <a:p>
             <a:fld id="{564D0F71-6C80-49ED-A725-70C4C55A8EB3}" type="datetimeFigureOut">
               <a:rPr lang="he-IL" smtClean="0"/>
-              <a:t>י"ד/אדר א/תשפ"ב</a:t>
+              <a:t>כ"א/אדר א/תשפ"ב</a:t>
             </a:fld>
             <a:endParaRPr lang="he-IL"/>
           </a:p>
@@ -1956,7 +1956,7 @@
           <a:p>
             <a:fld id="{564D0F71-6C80-49ED-A725-70C4C55A8EB3}" type="datetimeFigureOut">
               <a:rPr lang="he-IL" smtClean="0"/>
-              <a:t>י"ד/אדר א/תשפ"ב</a:t>
+              <a:t>כ"א/אדר א/תשפ"ב</a:t>
             </a:fld>
             <a:endParaRPr lang="he-IL"/>
           </a:p>
@@ -2069,7 +2069,7 @@
           <a:p>
             <a:fld id="{564D0F71-6C80-49ED-A725-70C4C55A8EB3}" type="datetimeFigureOut">
               <a:rPr lang="he-IL" smtClean="0"/>
-              <a:t>י"ד/אדר א/תשפ"ב</a:t>
+              <a:t>כ"א/אדר א/תשפ"ב</a:t>
             </a:fld>
             <a:endParaRPr lang="he-IL"/>
           </a:p>
@@ -2380,7 +2380,7 @@
           <a:p>
             <a:fld id="{564D0F71-6C80-49ED-A725-70C4C55A8EB3}" type="datetimeFigureOut">
               <a:rPr lang="he-IL" smtClean="0"/>
-              <a:t>י"ד/אדר א/תשפ"ב</a:t>
+              <a:t>כ"א/אדר א/תשפ"ב</a:t>
             </a:fld>
             <a:endParaRPr lang="he-IL"/>
           </a:p>
@@ -2668,7 +2668,7 @@
           <a:p>
             <a:fld id="{564D0F71-6C80-49ED-A725-70C4C55A8EB3}" type="datetimeFigureOut">
               <a:rPr lang="he-IL" smtClean="0"/>
-              <a:t>י"ד/אדר א/תשפ"ב</a:t>
+              <a:t>כ"א/אדר א/תשפ"ב</a:t>
             </a:fld>
             <a:endParaRPr lang="he-IL"/>
           </a:p>
@@ -2909,7 +2909,7 @@
           <a:p>
             <a:fld id="{564D0F71-6C80-49ED-A725-70C4C55A8EB3}" type="datetimeFigureOut">
               <a:rPr lang="he-IL" smtClean="0"/>
-              <a:t>י"ד/אדר א/תשפ"ב</a:t>
+              <a:t>כ"א/אדר א/תשפ"ב</a:t>
             </a:fld>
             <a:endParaRPr lang="he-IL"/>
           </a:p>
@@ -3348,69 +3348,22 @@
         </p:nvSpPr>
         <p:spPr>
           <a:xfrm>
-            <a:off x="6400800" y="3628724"/>
+            <a:off x="10284861" y="3719509"/>
             <a:ext cx="712268" cy="808522"/>
           </a:xfrm>
           <a:prstGeom prst="rect">
             <a:avLst/>
           </a:prstGeom>
           <a:solidFill>
-            <a:schemeClr val="accent2">
-              <a:lumMod val="60000"/>
-              <a:lumOff val="40000"/>
-            </a:schemeClr>
-          </a:solidFill>
-        </p:spPr>
-        <p:style>
-          <a:lnRef idx="2">
-            <a:schemeClr val="accent1">
-              <a:shade val="50000"/>
-            </a:schemeClr>
-          </a:lnRef>
-          <a:fillRef idx="1">
-            <a:schemeClr val="accent1"/>
-          </a:fillRef>
-          <a:effectRef idx="0">
-            <a:schemeClr val="accent1"/>
-          </a:effectRef>
-          <a:fontRef idx="minor">
-            <a:schemeClr val="lt1"/>
-          </a:fontRef>
-        </p:style>
-        <p:txBody>
-          <a:bodyPr rtlCol="1" anchor="ctr"/>
-          <a:lstStyle/>
-          <a:p>
-            <a:pPr algn="ctr"/>
-            <a:endParaRPr lang="he-IL"/>
-          </a:p>
-        </p:txBody>
-      </p:sp>
-      <p:sp>
-        <p:nvSpPr>
-          <p:cNvPr id="4" name="אליפסה 3">
-            <a:extLst>
-              <a:ext uri="{FF2B5EF4-FFF2-40B4-BE49-F238E27FC236}">
-                <a16:creationId xmlns:a16="http://schemas.microsoft.com/office/drawing/2014/main" id="{C0DCB175-74E6-49D8-8CF3-9269458BDE4C}"/>
-              </a:ext>
-            </a:extLst>
-          </p:cNvPr>
-          <p:cNvSpPr/>
-          <p:nvPr/>
-        </p:nvSpPr>
-        <p:spPr>
-          <a:xfrm flipH="1" flipV="1">
-            <a:off x="442762" y="1963954"/>
-            <a:ext cx="933450" cy="914400"/>
-          </a:xfrm>
-          <a:prstGeom prst="ellipse">
-            <a:avLst/>
-          </a:prstGeom>
-          <a:solidFill>
-            <a:srgbClr val="7030A0"/>
+            <a:srgbClr val="00B050"/>
           </a:solidFill>
           <a:ln>
-            <a:noFill/>
+            <a:solidFill>
+              <a:schemeClr val="tx1">
+                <a:lumMod val="85000"/>
+                <a:lumOff val="15000"/>
+              </a:schemeClr>
+            </a:solidFill>
           </a:ln>
         </p:spPr>
         <p:style>
@@ -3438,12 +3391,51 @@
           </a:p>
         </p:txBody>
       </p:sp>
-      <p:sp>
-        <p:nvSpPr>
-          <p:cNvPr id="14" name="אליפסה 13">
-            <a:extLst>
-              <a:ext uri="{FF2B5EF4-FFF2-40B4-BE49-F238E27FC236}">
-                <a16:creationId xmlns:a16="http://schemas.microsoft.com/office/drawing/2014/main" id="{E3D98FF6-AD19-4246-AB25-23A6FA14DE23}"/>
+      <p:pic>
+        <p:nvPicPr>
+          <p:cNvPr id="104" name="תמונה 103" descr="תמונה שמכילה אדם, איש&#10;&#10;התיאור נוצר באופן אוטומטי">
+            <a:extLst>
+              <a:ext uri="{FF2B5EF4-FFF2-40B4-BE49-F238E27FC236}">
+                <a16:creationId xmlns:a16="http://schemas.microsoft.com/office/drawing/2014/main" id="{CAA649D6-F577-4182-AE08-02EABB38EE0B}"/>
+              </a:ext>
+            </a:extLst>
+          </p:cNvPr>
+          <p:cNvPicPr>
+            <a:picLocks noChangeAspect="1"/>
+          </p:cNvPicPr>
+          <p:nvPr/>
+        </p:nvPicPr>
+        <p:blipFill>
+          <a:blip r:embed="rId2">
+            <a:extLst>
+              <a:ext uri="{28A0092B-C50C-407E-A947-70E740481C1C}">
+                <a14:useLocalDpi xmlns:a14="http://schemas.microsoft.com/office/drawing/2010/main" val="0"/>
+              </a:ext>
+            </a:extLst>
+          </a:blip>
+          <a:stretch>
+            <a:fillRect/>
+          </a:stretch>
+        </p:blipFill>
+        <p:spPr>
+          <a:xfrm>
+            <a:off x="10242694" y="2559154"/>
+            <a:ext cx="708109" cy="869846"/>
+          </a:xfrm>
+          <a:prstGeom prst="rect">
+            <a:avLst/>
+          </a:prstGeom>
+          <a:ln>
+            <a:noFill/>
+          </a:ln>
+        </p:spPr>
+      </p:pic>
+      <p:sp>
+        <p:nvSpPr>
+          <p:cNvPr id="73" name="Rectangle 72">
+            <a:extLst>
+              <a:ext uri="{FF2B5EF4-FFF2-40B4-BE49-F238E27FC236}">
+                <a16:creationId xmlns:a16="http://schemas.microsoft.com/office/drawing/2014/main" id="{35795CF0-D301-446E-84D2-49E667C01D91}"/>
               </a:ext>
             </a:extLst>
           </p:cNvPr>
@@ -3452,12 +3444,16 @@
         </p:nvSpPr>
         <p:spPr>
           <a:xfrm>
-            <a:off x="3240171" y="2362534"/>
-            <a:ext cx="622300" cy="450850"/>
+            <a:off x="10492555" y="385575"/>
+            <a:ext cx="354418" cy="333153"/>
           </a:xfrm>
-          <a:prstGeom prst="ellipse">
+          <a:prstGeom prst="rect">
             <a:avLst/>
           </a:prstGeom>
+          <a:solidFill>
+            <a:srgbClr val="7030A0"/>
+          </a:solidFill>
+          <a:ln w="28575"/>
         </p:spPr>
         <p:style>
           <a:lnRef idx="2">
@@ -3480,16 +3476,16 @@
           <a:lstStyle/>
           <a:p>
             <a:pPr algn="ctr"/>
-            <a:endParaRPr lang="he-IL" dirty="0"/>
-          </a:p>
-        </p:txBody>
-      </p:sp>
-      <p:sp>
-        <p:nvSpPr>
-          <p:cNvPr id="94" name="פרצוף מחייך 93">
-            <a:extLst>
-              <a:ext uri="{FF2B5EF4-FFF2-40B4-BE49-F238E27FC236}">
-                <a16:creationId xmlns:a16="http://schemas.microsoft.com/office/drawing/2014/main" id="{A6EF5E65-114D-4380-A1E9-B70CC108318E}"/>
+            <a:endParaRPr lang="en-US" sz="600" dirty="0"/>
+          </a:p>
+        </p:txBody>
+      </p:sp>
+      <p:sp>
+        <p:nvSpPr>
+          <p:cNvPr id="52" name="Rectangle 51">
+            <a:extLst>
+              <a:ext uri="{FF2B5EF4-FFF2-40B4-BE49-F238E27FC236}">
+                <a16:creationId xmlns:a16="http://schemas.microsoft.com/office/drawing/2014/main" id="{01B17A20-8C5C-4469-A8E9-B4664EC8B356}"/>
               </a:ext>
             </a:extLst>
           </p:cNvPr>
@@ -3497,16 +3493,17 @@
           <p:nvPr/>
         </p:nvSpPr>
         <p:spPr>
-          <a:xfrm rot="21353909">
-            <a:off x="3386310" y="512846"/>
-            <a:ext cx="679450" cy="628650"/>
+          <a:xfrm>
+            <a:off x="10487248" y="1126970"/>
+            <a:ext cx="354418" cy="333153"/>
           </a:xfrm>
-          <a:prstGeom prst="smileyFace">
+          <a:prstGeom prst="rect">
             <a:avLst/>
           </a:prstGeom>
           <a:solidFill>
-            <a:srgbClr val="FFFF00"/>
+            <a:srgbClr val="C00000"/>
           </a:solidFill>
+          <a:ln w="28575"/>
         </p:spPr>
         <p:style>
           <a:lnRef idx="2">
@@ -3529,16 +3526,16 @@
           <a:lstStyle/>
           <a:p>
             <a:pPr algn="ctr"/>
-            <a:endParaRPr lang="he-IL"/>
-          </a:p>
-        </p:txBody>
-      </p:sp>
-      <p:sp>
-        <p:nvSpPr>
-          <p:cNvPr id="95" name="ירח 94">
-            <a:extLst>
-              <a:ext uri="{FF2B5EF4-FFF2-40B4-BE49-F238E27FC236}">
-                <a16:creationId xmlns:a16="http://schemas.microsoft.com/office/drawing/2014/main" id="{BD367BC4-764E-416E-B19D-77348C67D286}"/>
+            <a:endParaRPr lang="en-US" sz="600" dirty="0"/>
+          </a:p>
+        </p:txBody>
+      </p:sp>
+      <p:sp>
+        <p:nvSpPr>
+          <p:cNvPr id="74" name="Arrow: Curved Left 73">
+            <a:extLst>
+              <a:ext uri="{FF2B5EF4-FFF2-40B4-BE49-F238E27FC236}">
+                <a16:creationId xmlns:a16="http://schemas.microsoft.com/office/drawing/2014/main" id="{87D7782D-FDB6-4ECF-958E-963BA9762E09}"/>
               </a:ext>
             </a:extLst>
           </p:cNvPr>
@@ -3546,18 +3543,24 @@
           <p:nvPr/>
         </p:nvSpPr>
         <p:spPr>
-          <a:xfrm rot="12498772">
-            <a:off x="673101" y="805945"/>
-            <a:ext cx="711200" cy="704850"/>
+          <a:xfrm>
+            <a:off x="10561674" y="1215575"/>
+            <a:ext cx="212652" cy="191386"/>
           </a:xfrm>
-          <a:prstGeom prst="moon">
-            <a:avLst/>
+          <a:prstGeom prst="curvedLeftArrow">
+            <a:avLst>
+              <a:gd name="adj1" fmla="val 25000"/>
+              <a:gd name="adj2" fmla="val 60345"/>
+              <a:gd name="adj3" fmla="val 25000"/>
+            </a:avLst>
           </a:prstGeom>
           <a:solidFill>
-            <a:schemeClr val="accent6"/>
+            <a:schemeClr val="bg1"/>
           </a:solidFill>
           <a:ln>
-            <a:noFill/>
+            <a:solidFill>
+              <a:schemeClr val="tx1"/>
+            </a:solidFill>
           </a:ln>
         </p:spPr>
         <p:style>
@@ -3581,16 +3584,170 @@
           <a:lstStyle/>
           <a:p>
             <a:pPr algn="ctr"/>
-            <a:endParaRPr lang="he-IL" dirty="0"/>
-          </a:p>
-        </p:txBody>
-      </p:sp>
-      <p:sp>
-        <p:nvSpPr>
-          <p:cNvPr id="96" name="חץ: ימינה מחורץ 95">
-            <a:extLst>
-              <a:ext uri="{FF2B5EF4-FFF2-40B4-BE49-F238E27FC236}">
-                <a16:creationId xmlns:a16="http://schemas.microsoft.com/office/drawing/2014/main" id="{A5FB399C-0C9E-4EF8-A02E-F8F075425E85}"/>
+            <a:endParaRPr lang="en-IL">
+              <a:solidFill>
+                <a:schemeClr val="tx1"/>
+              </a:solidFill>
+            </a:endParaRPr>
+          </a:p>
+        </p:txBody>
+      </p:sp>
+      <p:sp>
+        <p:nvSpPr>
+          <p:cNvPr id="75" name="TextBox 74">
+            <a:extLst>
+              <a:ext uri="{FF2B5EF4-FFF2-40B4-BE49-F238E27FC236}">
+                <a16:creationId xmlns:a16="http://schemas.microsoft.com/office/drawing/2014/main" id="{D2ECCBBD-8D7C-488A-941E-A94CFEF263F6}"/>
+              </a:ext>
+            </a:extLst>
+          </p:cNvPr>
+          <p:cNvSpPr txBox="1"/>
+          <p:nvPr/>
+        </p:nvSpPr>
+        <p:spPr>
+          <a:xfrm>
+            <a:off x="10244469" y="336210"/>
+            <a:ext cx="850605" cy="483209"/>
+          </a:xfrm>
+          <a:prstGeom prst="rect">
+            <a:avLst/>
+          </a:prstGeom>
+          <a:noFill/>
+        </p:spPr>
+        <p:txBody>
+          <a:bodyPr wrap="square" rtlCol="0">
+            <a:spAutoFit/>
+          </a:bodyPr>
+          <a:lstStyle/>
+          <a:p>
+            <a:pPr algn="ctr"/>
+            <a:r>
+              <a:rPr lang="en-US" sz="1270" b="1" dirty="0">
+                <a:solidFill>
+                  <a:schemeClr val="bg1"/>
+                </a:solidFill>
+                <a:latin typeface="Adobe Devanagari" panose="02040503050201020203" pitchFamily="18" charset="0"/>
+                <a:cs typeface="Adobe Devanagari" panose="02040503050201020203" pitchFamily="18" charset="0"/>
+              </a:rPr>
+              <a:t>Find</a:t>
+            </a:r>
+          </a:p>
+          <a:p>
+            <a:pPr algn="ctr"/>
+            <a:r>
+              <a:rPr lang="en-US" sz="1270" b="1" dirty="0">
+                <a:solidFill>
+                  <a:schemeClr val="bg1"/>
+                </a:solidFill>
+                <a:latin typeface="Adobe Devanagari" panose="02040503050201020203" pitchFamily="18" charset="0"/>
+                <a:cs typeface="Adobe Devanagari" panose="02040503050201020203" pitchFamily="18" charset="0"/>
+              </a:rPr>
+              <a:t>Table</a:t>
+            </a:r>
+            <a:endParaRPr lang="en-IL" sz="1270" b="1" dirty="0">
+              <a:solidFill>
+                <a:schemeClr val="bg1"/>
+              </a:solidFill>
+              <a:latin typeface="Adobe Devanagari" panose="02040503050201020203" pitchFamily="18" charset="0"/>
+              <a:cs typeface="Adobe Devanagari" panose="02040503050201020203" pitchFamily="18" charset="0"/>
+            </a:endParaRPr>
+          </a:p>
+        </p:txBody>
+      </p:sp>
+      <p:sp>
+        <p:nvSpPr>
+          <p:cNvPr id="35" name="TextBox 34">
+            <a:extLst>
+              <a:ext uri="{FF2B5EF4-FFF2-40B4-BE49-F238E27FC236}">
+                <a16:creationId xmlns:a16="http://schemas.microsoft.com/office/drawing/2014/main" id="{BEA3625F-35CE-4FE8-A66D-F7BF8A563C60}"/>
+              </a:ext>
+            </a:extLst>
+          </p:cNvPr>
+          <p:cNvSpPr txBox="1"/>
+          <p:nvPr/>
+        </p:nvSpPr>
+        <p:spPr>
+          <a:xfrm>
+            <a:off x="4899097" y="4343365"/>
+            <a:ext cx="4613507" cy="369332"/>
+          </a:xfrm>
+          <a:prstGeom prst="rect">
+            <a:avLst/>
+          </a:prstGeom>
+          <a:noFill/>
+        </p:spPr>
+        <p:txBody>
+          <a:bodyPr wrap="none" rtlCol="0">
+            <a:spAutoFit/>
+          </a:bodyPr>
+          <a:lstStyle/>
+          <a:p>
+            <a:r>
+              <a:rPr lang="en-US" dirty="0">
+                <a:solidFill>
+                  <a:schemeClr val="bg1"/>
+                </a:solidFill>
+              </a:rPr>
+              <a:t>Display size 90% - that is the bottom left corner</a:t>
+            </a:r>
+            <a:endParaRPr lang="en-IL" dirty="0">
+              <a:solidFill>
+                <a:schemeClr val="bg1"/>
+              </a:solidFill>
+            </a:endParaRPr>
+          </a:p>
+        </p:txBody>
+      </p:sp>
+      <p:cxnSp>
+        <p:nvCxnSpPr>
+          <p:cNvPr id="37" name="Straight Arrow Connector 36">
+            <a:extLst>
+              <a:ext uri="{FF2B5EF4-FFF2-40B4-BE49-F238E27FC236}">
+                <a16:creationId xmlns:a16="http://schemas.microsoft.com/office/drawing/2014/main" id="{3A607F2B-C814-4735-A59D-616C85F2DA6C}"/>
+              </a:ext>
+            </a:extLst>
+          </p:cNvPr>
+          <p:cNvCxnSpPr>
+            <a:cxnSpLocks/>
+          </p:cNvCxnSpPr>
+          <p:nvPr/>
+        </p:nvCxnSpPr>
+        <p:spPr>
+          <a:xfrm>
+            <a:off x="9462977" y="4635795"/>
+            <a:ext cx="1772093" cy="0"/>
+          </a:xfrm>
+          <a:prstGeom prst="straightConnector1">
+            <a:avLst/>
+          </a:prstGeom>
+          <a:ln>
+            <a:solidFill>
+              <a:schemeClr val="bg1"/>
+            </a:solidFill>
+            <a:tailEnd type="triangle"/>
+          </a:ln>
+        </p:spPr>
+        <p:style>
+          <a:lnRef idx="1">
+            <a:schemeClr val="accent1"/>
+          </a:lnRef>
+          <a:fillRef idx="0">
+            <a:schemeClr val="accent1"/>
+          </a:fillRef>
+          <a:effectRef idx="0">
+            <a:schemeClr val="accent1"/>
+          </a:effectRef>
+          <a:fontRef idx="minor">
+            <a:schemeClr val="tx1"/>
+          </a:fontRef>
+        </p:style>
+      </p:cxnSp>
+      <p:sp>
+        <p:nvSpPr>
+          <p:cNvPr id="105" name="מלבן 1">
+            <a:extLst>
+              <a:ext uri="{FF2B5EF4-FFF2-40B4-BE49-F238E27FC236}">
+                <a16:creationId xmlns:a16="http://schemas.microsoft.com/office/drawing/2014/main" id="{D1CC8FA8-F64D-4C06-8830-75750A2137AE}"/>
               </a:ext>
             </a:extLst>
           </p:cNvPr>
@@ -3599,20 +3756,22 @@
         </p:nvSpPr>
         <p:spPr>
           <a:xfrm>
-            <a:off x="1896444" y="1456790"/>
-            <a:ext cx="1041400" cy="819150"/>
+            <a:off x="595056" y="366947"/>
+            <a:ext cx="638320" cy="533717"/>
           </a:xfrm>
-          <a:prstGeom prst="notchedRightArrow">
-            <a:avLst>
-              <a:gd name="adj1" fmla="val 50000"/>
-              <a:gd name="adj2" fmla="val 56977"/>
-            </a:avLst>
+          <a:prstGeom prst="rect">
+            <a:avLst/>
           </a:prstGeom>
           <a:solidFill>
-            <a:srgbClr val="FF0000"/>
+            <a:srgbClr val="00B050"/>
           </a:solidFill>
           <a:ln>
-            <a:noFill/>
+            <a:solidFill>
+              <a:schemeClr val="tx1">
+                <a:lumMod val="85000"/>
+                <a:lumOff val="15000"/>
+              </a:schemeClr>
+            </a:solidFill>
           </a:ln>
         </p:spPr>
         <p:style>
@@ -3640,162 +3799,177 @@
           </a:p>
         </p:txBody>
       </p:sp>
-      <p:pic>
-        <p:nvPicPr>
-          <p:cNvPr id="98" name="תמונה 97">
-            <a:extLst>
-              <a:ext uri="{FF2B5EF4-FFF2-40B4-BE49-F238E27FC236}">
-                <a16:creationId xmlns:a16="http://schemas.microsoft.com/office/drawing/2014/main" id="{8F7BF897-587E-4B2D-854A-48DC37A6610D}"/>
-              </a:ext>
-            </a:extLst>
-          </p:cNvPr>
-          <p:cNvPicPr>
-            <a:picLocks noChangeAspect="1"/>
-          </p:cNvPicPr>
+      <p:sp>
+        <p:nvSpPr>
+          <p:cNvPr id="106" name="מלבן 1">
+            <a:extLst>
+              <a:ext uri="{FF2B5EF4-FFF2-40B4-BE49-F238E27FC236}">
+                <a16:creationId xmlns:a16="http://schemas.microsoft.com/office/drawing/2014/main" id="{57E36D47-0936-44DC-BC88-F7BE484592E6}"/>
+              </a:ext>
+            </a:extLst>
+          </p:cNvPr>
+          <p:cNvSpPr/>
           <p:nvPr/>
-        </p:nvPicPr>
-        <p:blipFill>
-          <a:blip r:embed="rId2"/>
-          <a:stretch>
-            <a:fillRect/>
-          </a:stretch>
-        </p:blipFill>
+        </p:nvSpPr>
         <p:spPr>
           <a:xfrm>
-            <a:off x="8536128" y="2369464"/>
-            <a:ext cx="1560371" cy="875388"/>
+            <a:off x="1860138" y="302387"/>
+            <a:ext cx="434479" cy="484393"/>
           </a:xfrm>
           <a:prstGeom prst="rect">
             <a:avLst/>
           </a:prstGeom>
+          <a:solidFill>
+            <a:srgbClr val="00B050"/>
+          </a:solidFill>
+          <a:ln>
+            <a:solidFill>
+              <a:schemeClr val="tx1">
+                <a:lumMod val="85000"/>
+                <a:lumOff val="15000"/>
+              </a:schemeClr>
+            </a:solidFill>
+          </a:ln>
         </p:spPr>
-      </p:pic>
-      <p:pic>
-        <p:nvPicPr>
-          <p:cNvPr id="100" name="תמונה 99">
-            <a:extLst>
-              <a:ext uri="{FF2B5EF4-FFF2-40B4-BE49-F238E27FC236}">
-                <a16:creationId xmlns:a16="http://schemas.microsoft.com/office/drawing/2014/main" id="{839817FD-500A-4F7D-877D-E198F932B7FF}"/>
-              </a:ext>
-            </a:extLst>
-          </p:cNvPr>
-          <p:cNvPicPr>
-            <a:picLocks noChangeAspect="1"/>
-          </p:cNvPicPr>
+        <p:style>
+          <a:lnRef idx="2">
+            <a:schemeClr val="accent1">
+              <a:shade val="50000"/>
+            </a:schemeClr>
+          </a:lnRef>
+          <a:fillRef idx="1">
+            <a:schemeClr val="accent1"/>
+          </a:fillRef>
+          <a:effectRef idx="0">
+            <a:schemeClr val="accent1"/>
+          </a:effectRef>
+          <a:fontRef idx="minor">
+            <a:schemeClr val="lt1"/>
+          </a:fontRef>
+        </p:style>
+        <p:txBody>
+          <a:bodyPr rtlCol="1" anchor="ctr"/>
+          <a:lstStyle/>
+          <a:p>
+            <a:pPr algn="ctr"/>
+            <a:endParaRPr lang="he-IL" dirty="0"/>
+          </a:p>
+        </p:txBody>
+      </p:sp>
+      <p:sp>
+        <p:nvSpPr>
+          <p:cNvPr id="108" name="מלבן 1">
+            <a:extLst>
+              <a:ext uri="{FF2B5EF4-FFF2-40B4-BE49-F238E27FC236}">
+                <a16:creationId xmlns:a16="http://schemas.microsoft.com/office/drawing/2014/main" id="{1BE284C7-ADC7-4AB6-AFD3-CFC31077AD73}"/>
+              </a:ext>
+            </a:extLst>
+          </p:cNvPr>
+          <p:cNvSpPr/>
           <p:nvPr/>
-        </p:nvPicPr>
-        <p:blipFill>
-          <a:blip r:embed="rId3"/>
-          <a:stretch>
-            <a:fillRect/>
-          </a:stretch>
-        </p:blipFill>
+        </p:nvSpPr>
         <p:spPr>
           <a:xfrm>
-            <a:off x="7050205" y="2369100"/>
-            <a:ext cx="1525775" cy="856700"/>
+            <a:off x="-3743027" y="-1745048"/>
+            <a:ext cx="712268" cy="808522"/>
           </a:xfrm>
           <a:prstGeom prst="rect">
             <a:avLst/>
           </a:prstGeom>
+          <a:solidFill>
+            <a:srgbClr val="00B050"/>
+          </a:solidFill>
+          <a:ln>
+            <a:solidFill>
+              <a:schemeClr val="tx1">
+                <a:lumMod val="85000"/>
+                <a:lumOff val="15000"/>
+              </a:schemeClr>
+            </a:solidFill>
+          </a:ln>
         </p:spPr>
-      </p:pic>
-      <p:pic>
-        <p:nvPicPr>
-          <p:cNvPr id="101" name="תמונה 100">
-            <a:extLst>
-              <a:ext uri="{FF2B5EF4-FFF2-40B4-BE49-F238E27FC236}">
-                <a16:creationId xmlns:a16="http://schemas.microsoft.com/office/drawing/2014/main" id="{6D6CDD43-6542-41B1-B6B3-6A05347411CD}"/>
-              </a:ext>
-            </a:extLst>
-          </p:cNvPr>
-          <p:cNvPicPr>
-            <a:picLocks noChangeAspect="1"/>
-          </p:cNvPicPr>
+        <p:style>
+          <a:lnRef idx="2">
+            <a:schemeClr val="accent1">
+              <a:shade val="50000"/>
+            </a:schemeClr>
+          </a:lnRef>
+          <a:fillRef idx="1">
+            <a:schemeClr val="accent1"/>
+          </a:fillRef>
+          <a:effectRef idx="0">
+            <a:schemeClr val="accent1"/>
+          </a:effectRef>
+          <a:fontRef idx="minor">
+            <a:schemeClr val="lt1"/>
+          </a:fontRef>
+        </p:style>
+        <p:txBody>
+          <a:bodyPr rtlCol="1" anchor="ctr"/>
+          <a:lstStyle/>
+          <a:p>
+            <a:pPr algn="ctr"/>
+            <a:endParaRPr lang="he-IL" dirty="0"/>
+          </a:p>
+        </p:txBody>
+      </p:sp>
+      <p:sp>
+        <p:nvSpPr>
+          <p:cNvPr id="110" name="מלבן 1">
+            <a:extLst>
+              <a:ext uri="{FF2B5EF4-FFF2-40B4-BE49-F238E27FC236}">
+                <a16:creationId xmlns:a16="http://schemas.microsoft.com/office/drawing/2014/main" id="{F3D4084C-E46B-49B6-B4CF-A92FF28A012A}"/>
+              </a:ext>
+            </a:extLst>
+          </p:cNvPr>
+          <p:cNvSpPr/>
           <p:nvPr/>
-        </p:nvPicPr>
-        <p:blipFill>
-          <a:blip r:embed="rId2"/>
-          <a:stretch>
-            <a:fillRect/>
-          </a:stretch>
-        </p:blipFill>
+        </p:nvSpPr>
         <p:spPr>
           <a:xfrm>
-            <a:off x="6954978" y="883564"/>
-            <a:ext cx="1560371" cy="875388"/>
+            <a:off x="-5854996" y="-1051020"/>
+            <a:ext cx="712268" cy="808522"/>
           </a:xfrm>
           <a:prstGeom prst="rect">
             <a:avLst/>
           </a:prstGeom>
+          <a:solidFill>
+            <a:srgbClr val="00B050"/>
+          </a:solidFill>
+          <a:ln>
+            <a:solidFill>
+              <a:schemeClr val="tx1">
+                <a:lumMod val="85000"/>
+                <a:lumOff val="15000"/>
+              </a:schemeClr>
+            </a:solidFill>
+          </a:ln>
         </p:spPr>
-      </p:pic>
-      <p:pic>
-        <p:nvPicPr>
-          <p:cNvPr id="102" name="תמונה 101">
-            <a:extLst>
-              <a:ext uri="{FF2B5EF4-FFF2-40B4-BE49-F238E27FC236}">
-                <a16:creationId xmlns:a16="http://schemas.microsoft.com/office/drawing/2014/main" id="{38ACFAC6-4C1E-4212-B839-596D271F2BF4}"/>
-              </a:ext>
-            </a:extLst>
-          </p:cNvPr>
-          <p:cNvPicPr>
-            <a:picLocks noChangeAspect="1"/>
-          </p:cNvPicPr>
-          <p:nvPr/>
-        </p:nvPicPr>
-        <p:blipFill>
-          <a:blip r:embed="rId2"/>
-          <a:stretch>
-            <a:fillRect/>
-          </a:stretch>
-        </p:blipFill>
-        <p:spPr>
-          <a:xfrm>
-            <a:off x="9171128" y="858164"/>
-            <a:ext cx="1560371" cy="875388"/>
-          </a:xfrm>
-          <a:prstGeom prst="rect">
-            <a:avLst/>
-          </a:prstGeom>
-        </p:spPr>
-      </p:pic>
-      <p:pic>
-        <p:nvPicPr>
-          <p:cNvPr id="104" name="תמונה 103" descr="תמונה שמכילה אדם, איש&#10;&#10;התיאור נוצר באופן אוטומטי">
-            <a:extLst>
-              <a:ext uri="{FF2B5EF4-FFF2-40B4-BE49-F238E27FC236}">
-                <a16:creationId xmlns:a16="http://schemas.microsoft.com/office/drawing/2014/main" id="{CAA649D6-F577-4182-AE08-02EABB38EE0B}"/>
-              </a:ext>
-            </a:extLst>
-          </p:cNvPr>
-          <p:cNvPicPr>
-            <a:picLocks noChangeAspect="1"/>
-          </p:cNvPicPr>
-          <p:nvPr/>
-        </p:nvPicPr>
-        <p:blipFill>
-          <a:blip r:embed="rId4">
-            <a:extLst>
-              <a:ext uri="{28A0092B-C50C-407E-A947-70E740481C1C}">
-                <a14:useLocalDpi xmlns:a14="http://schemas.microsoft.com/office/drawing/2010/main" val="0"/>
-              </a:ext>
-            </a:extLst>
-          </a:blip>
-          <a:stretch>
-            <a:fillRect/>
-          </a:stretch>
-        </p:blipFill>
-        <p:spPr>
-          <a:xfrm>
-            <a:off x="1495340" y="343108"/>
-            <a:ext cx="708109" cy="869846"/>
-          </a:xfrm>
-          <a:prstGeom prst="rect">
-            <a:avLst/>
-          </a:prstGeom>
-        </p:spPr>
-      </p:pic>
+        <p:style>
+          <a:lnRef idx="2">
+            <a:schemeClr val="accent1">
+              <a:shade val="50000"/>
+            </a:schemeClr>
+          </a:lnRef>
+          <a:fillRef idx="1">
+            <a:schemeClr val="accent1"/>
+          </a:fillRef>
+          <a:effectRef idx="0">
+            <a:schemeClr val="accent1"/>
+          </a:effectRef>
+          <a:fontRef idx="minor">
+            <a:schemeClr val="lt1"/>
+          </a:fontRef>
+        </p:style>
+        <p:txBody>
+          <a:bodyPr rtlCol="1" anchor="ctr"/>
+          <a:lstStyle/>
+          <a:p>
+            <a:pPr algn="ctr"/>
+            <a:endParaRPr lang="he-IL" dirty="0"/>
+          </a:p>
+        </p:txBody>
+      </p:sp>
     </p:spTree>
     <p:extLst>
       <p:ext uri="{BB962C8B-B14F-4D97-AF65-F5344CB8AC3E}">
@@ -4094,7 +4268,45 @@
       </a:bgFillStyleLst>
     </a:fmtScheme>
   </a:themeElements>
-  <a:objectDefaults/>
+  <a:objectDefaults>
+    <a:spDef>
+      <a:spPr>
+        <a:solidFill>
+          <a:srgbClr val="00B050"/>
+        </a:solidFill>
+        <a:ln>
+          <a:solidFill>
+            <a:schemeClr val="tx1">
+              <a:lumMod val="85000"/>
+              <a:lumOff val="15000"/>
+            </a:schemeClr>
+          </a:solidFill>
+        </a:ln>
+      </a:spPr>
+      <a:bodyPr rtlCol="1" anchor="ctr"/>
+      <a:lstStyle>
+        <a:defPPr algn="ctr">
+          <a:defRPr dirty="0"/>
+        </a:defPPr>
+      </a:lstStyle>
+      <a:style>
+        <a:lnRef idx="2">
+          <a:schemeClr val="accent1">
+            <a:shade val="50000"/>
+          </a:schemeClr>
+        </a:lnRef>
+        <a:fillRef idx="1">
+          <a:schemeClr val="accent1"/>
+        </a:fillRef>
+        <a:effectRef idx="0">
+          <a:schemeClr val="accent1"/>
+        </a:effectRef>
+        <a:fontRef idx="minor">
+          <a:schemeClr val="lt1"/>
+        </a:fontRef>
+      </a:style>
+    </a:spDef>
+  </a:objectDefaults>
   <a:extraClrSchemeLst/>
   <a:extLst>
     <a:ext uri="{05A4C25C-085E-4340-85A3-A5531E510DB2}">
